--- a/2DGP_Project_2nd.pptx
+++ b/2DGP_Project_2nd.pptx
@@ -4154,6 +4154,14 @@
             </a:r>
             <a:r>
               <a:rPr lang="ko-KR" altLang="en-US" dirty="0"/>
+              <a:t> </a:t>
+            </a:r>
+            <a:r>
+              <a:rPr lang="ko-KR" altLang="en-US" dirty="0" err="1"/>
+              <a:t>횡스크롤</a:t>
+            </a:r>
+            <a:r>
+              <a:rPr lang="ko-KR" altLang="en-US" dirty="0"/>
               <a:t> 슈팅 탄막 게임</a:t>
             </a:r>
             <a:endParaRPr lang="en-US" altLang="ko-KR" dirty="0"/>
@@ -4170,7 +4178,7 @@
             </a:r>
             <a:r>
               <a:rPr lang="ko-KR" altLang="en-US" dirty="0"/>
-              <a:t>적 전투기를 파괴하며 나아간다</a:t>
+              <a:t>적을 파괴하며 나아간다</a:t>
             </a:r>
             <a:endParaRPr lang="en-US" altLang="ko-KR" dirty="0"/>
           </a:p>
@@ -4196,15 +4204,18 @@
                 <a:spcPct val="150000"/>
               </a:lnSpc>
             </a:pPr>
-            <a:endParaRPr lang="en-US" altLang="ko-KR" dirty="0"/>
-          </a:p>
-          <a:p>
-            <a:pPr>
-              <a:lnSpc>
-                <a:spcPct val="150000"/>
-              </a:lnSpc>
-            </a:pPr>
-            <a:endParaRPr lang="en-US" altLang="ko-KR" dirty="0"/>
+            <a:r>
+              <a:rPr lang="en-US" altLang="ko-KR" sz="3600" dirty="0"/>
+              <a:t>〮</a:t>
+            </a:r>
+            <a:r>
+              <a:rPr lang="ko-KR" altLang="en-US" dirty="0"/>
+              <a:t>보스 몬스터를 잡아 보물을 되찾자</a:t>
+            </a:r>
+            <a:r>
+              <a:rPr lang="en-US" altLang="ko-KR" dirty="0"/>
+              <a:t>!</a:t>
+            </a:r>
           </a:p>
           <a:p>
             <a:pPr>
@@ -4219,6 +4230,66 @@
           </a:p>
         </p:txBody>
       </p:sp>
+      <p:pic>
+        <p:nvPicPr>
+          <p:cNvPr id="10" name="그림 9">
+            <a:extLst>
+              <a:ext uri="{FF2B5EF4-FFF2-40B4-BE49-F238E27FC236}">
+                <a16:creationId xmlns:a16="http://schemas.microsoft.com/office/drawing/2014/main" id="{AD1C1E6A-0690-4CD0-9692-51DCB8DFBD34}"/>
+              </a:ext>
+            </a:extLst>
+          </p:cNvPr>
+          <p:cNvPicPr>
+            <a:picLocks noChangeAspect="1"/>
+          </p:cNvPicPr>
+          <p:nvPr/>
+        </p:nvPicPr>
+        <p:blipFill>
+          <a:blip r:embed="rId3"/>
+          <a:stretch>
+            <a:fillRect/>
+          </a:stretch>
+        </p:blipFill>
+        <p:spPr>
+          <a:xfrm>
+            <a:off x="5116658" y="1127748"/>
+            <a:ext cx="3220856" cy="1989574"/>
+          </a:xfrm>
+          <a:prstGeom prst="rect">
+            <a:avLst/>
+          </a:prstGeom>
+        </p:spPr>
+      </p:pic>
+      <p:pic>
+        <p:nvPicPr>
+          <p:cNvPr id="11" name="그림 10">
+            <a:extLst>
+              <a:ext uri="{FF2B5EF4-FFF2-40B4-BE49-F238E27FC236}">
+                <a16:creationId xmlns:a16="http://schemas.microsoft.com/office/drawing/2014/main" id="{F903F346-CD55-4BF5-AC3B-EB96A55F699E}"/>
+              </a:ext>
+            </a:extLst>
+          </p:cNvPr>
+          <p:cNvPicPr>
+            <a:picLocks noChangeAspect="1"/>
+          </p:cNvPicPr>
+          <p:nvPr/>
+        </p:nvPicPr>
+        <p:blipFill>
+          <a:blip r:embed="rId4"/>
+          <a:stretch>
+            <a:fillRect/>
+          </a:stretch>
+        </p:blipFill>
+        <p:spPr>
+          <a:xfrm>
+            <a:off x="5610612" y="3499754"/>
+            <a:ext cx="2448272" cy="1957234"/>
+          </a:xfrm>
+          <a:prstGeom prst="rect">
+            <a:avLst/>
+          </a:prstGeom>
+        </p:spPr>
+      </p:pic>
     </p:spTree>
   </p:cSld>
   <p:clrMapOvr>
@@ -4575,14 +4646,14 @@
           <p:nvPr>
             <p:extLst>
               <p:ext uri="{D42A27DB-BD31-4B8C-83A1-F6EECF244321}">
-                <p14:modId xmlns:p14="http://schemas.microsoft.com/office/powerpoint/2010/main" val="1425205452"/>
+                <p14:modId xmlns:p14="http://schemas.microsoft.com/office/powerpoint/2010/main" val="1720415423"/>
               </p:ext>
             </p:extLst>
           </p:nvPr>
         </p:nvGraphicFramePr>
         <p:xfrm>
           <a:off x="339476" y="1597440"/>
-          <a:ext cx="8553003" cy="4474369"/>
+          <a:ext cx="8553003" cy="4539043"/>
         </p:xfrm>
         <a:graphic>
           <a:graphicData uri="http://schemas.openxmlformats.org/drawingml/2006/table">
@@ -6822,6 +6893,9 @@
                             </a:schemeClr>
                           </a:solidFill>
                           <a:effectLst/>
+                          <a:highlight>
+                            <a:srgbClr val="FFFF00"/>
+                          </a:highlight>
                           <a:latin typeface="나눔바른고딕" panose="020B0603020101020101" pitchFamily="50" charset="-127"/>
                           <a:ea typeface="나눔바른고딕" panose="020B0603020101020101" pitchFamily="50" charset="-127"/>
                         </a:rPr>
@@ -6839,6 +6913,9 @@
                             </a:schemeClr>
                           </a:solidFill>
                           <a:effectLst/>
+                          <a:highlight>
+                            <a:srgbClr val="FFFF00"/>
+                          </a:highlight>
                           <a:latin typeface="나눔바른고딕" panose="020B0603020101020101" pitchFamily="50" charset="-127"/>
                           <a:ea typeface="나눔바른고딕" panose="020B0603020101020101" pitchFamily="50" charset="-127"/>
                         </a:rPr>
@@ -6856,6 +6933,9 @@
                             </a:schemeClr>
                           </a:solidFill>
                           <a:effectLst/>
+                          <a:highlight>
+                            <a:srgbClr val="FFFF00"/>
+                          </a:highlight>
                           <a:latin typeface="나눔바른고딕" panose="020B0603020101020101" pitchFamily="50" charset="-127"/>
                           <a:ea typeface="나눔바른고딕" panose="020B0603020101020101" pitchFamily="50" charset="-127"/>
                         </a:rPr>
@@ -6873,6 +6953,9 @@
                             </a:schemeClr>
                           </a:solidFill>
                           <a:effectLst/>
+                          <a:highlight>
+                            <a:srgbClr val="FFFF00"/>
+                          </a:highlight>
                           <a:latin typeface="나눔바른고딕" panose="020B0603020101020101" pitchFamily="50" charset="-127"/>
                           <a:ea typeface="나눔바른고딕" panose="020B0603020101020101" pitchFamily="50" charset="-127"/>
                         </a:rPr>
@@ -6890,27 +6973,13 @@
                             </a:schemeClr>
                           </a:solidFill>
                           <a:effectLst/>
+                          <a:highlight>
+                            <a:srgbClr val="FFFF00"/>
+                          </a:highlight>
                           <a:latin typeface="나눔바른고딕" panose="020B0603020101020101" pitchFamily="50" charset="-127"/>
                           <a:ea typeface="나눔바른고딕" panose="020B0603020101020101" pitchFamily="50" charset="-127"/>
                         </a:rPr>
-                        <a:t>)//</a:t>
-                      </a:r>
-                      <a:r>
-                        <a:rPr kumimoji="0" lang="ko-KR" altLang="en-US" sz="1400" b="0" i="0" u="none" strike="noStrike" cap="none" normalizeH="0" baseline="0" dirty="0">
-                          <a:ln>
-                            <a:noFill/>
-                          </a:ln>
-                          <a:solidFill>
-                            <a:schemeClr val="tx1">
-                              <a:lumMod val="65000"/>
-                              <a:lumOff val="35000"/>
-                            </a:schemeClr>
-                          </a:solidFill>
-                          <a:effectLst/>
-                          <a:latin typeface="나눔바른고딕" panose="020B0603020101020101" pitchFamily="50" charset="-127"/>
-                          <a:ea typeface="나눔바른고딕" panose="020B0603020101020101" pitchFamily="50" charset="-127"/>
-                        </a:rPr>
-                        <a:t>변경</a:t>
+                        <a:t>)</a:t>
                       </a:r>
                       <a:endParaRPr kumimoji="0" lang="en-US" altLang="ko-KR" sz="1400" b="0" i="0" u="none" strike="noStrike" cap="none" normalizeH="0" baseline="0" dirty="0">
                         <a:ln>
@@ -7352,7 +7421,7 @@
                         <a:defRPr/>
                       </a:pPr>
                       <a:r>
-                        <a:rPr kumimoji="0" lang="ko-KR" altLang="en-US" sz="1400" b="0" i="0" u="none" strike="noStrike" cap="none" normalizeH="0" baseline="0" dirty="0">
+                        <a:rPr kumimoji="0" lang="ko-KR" altLang="en-US" sz="1400" b="0" i="0" u="none" strike="noStrike" cap="none" normalizeH="0" baseline="0" dirty="0" err="1">
                           <a:ln>
                             <a:noFill/>
                           </a:ln>
@@ -7363,47 +7432,14 @@
                             </a:schemeClr>
                           </a:solidFill>
                           <a:effectLst/>
+                          <a:highlight>
+                            <a:srgbClr val="FFFF00"/>
+                          </a:highlight>
                           <a:latin typeface="나눔바른고딕" panose="020B0603020101020101" pitchFamily="50" charset="-127"/>
                           <a:ea typeface="나눔바른고딕" panose="020B0603020101020101" pitchFamily="50" charset="-127"/>
                         </a:rPr>
-                        <a:t>특수 총알 </a:t>
+                        <a:t>파워업</a:t>
                       </a:r>
-                      <a:r>
-                        <a:rPr kumimoji="0" lang="en-US" altLang="ko-KR" sz="1400" b="0" i="0" u="none" strike="noStrike" cap="none" normalizeH="0" baseline="0" dirty="0">
-                          <a:ln>
-                            <a:noFill/>
-                          </a:ln>
-                          <a:solidFill>
-                            <a:schemeClr val="tx1">
-                              <a:lumMod val="65000"/>
-                              <a:lumOff val="35000"/>
-                            </a:schemeClr>
-                          </a:solidFill>
-                          <a:effectLst/>
-                          <a:latin typeface="나눔바른고딕" panose="020B0603020101020101" pitchFamily="50" charset="-127"/>
-                          <a:ea typeface="나눔바른고딕" panose="020B0603020101020101" pitchFamily="50" charset="-127"/>
-                        </a:rPr>
-                        <a:t>// </a:t>
-                      </a:r>
-                    </a:p>
-                    <a:p>
-                      <a:pPr marL="0" marR="0" lvl="0" indent="0" algn="ctr" defTabSz="914400" rtl="0" eaLnBrk="1" fontAlgn="base" latinLnBrk="1" hangingPunct="1">
-                        <a:lnSpc>
-                          <a:spcPct val="100000"/>
-                        </a:lnSpc>
-                        <a:spcBef>
-                          <a:spcPct val="0"/>
-                        </a:spcBef>
-                        <a:spcAft>
-                          <a:spcPct val="0"/>
-                        </a:spcAft>
-                        <a:buClrTx/>
-                        <a:buSzTx/>
-                        <a:buFontTx/>
-                        <a:buNone/>
-                        <a:tabLst/>
-                        <a:defRPr/>
-                      </a:pPr>
                       <a:endParaRPr kumimoji="0" lang="en-US" altLang="ko-KR" sz="1400" b="0" i="0" u="none" strike="noStrike" cap="none" normalizeH="0" baseline="0" dirty="0">
                         <a:ln>
                           <a:noFill/>
@@ -7415,6 +7451,9 @@
                           </a:schemeClr>
                         </a:solidFill>
                         <a:effectLst/>
+                        <a:highlight>
+                          <a:srgbClr val="FFFF00"/>
+                        </a:highlight>
                         <a:latin typeface="나눔바른고딕" panose="020B0603020101020101" pitchFamily="50" charset="-127"/>
                         <a:ea typeface="나눔바른고딕" panose="020B0603020101020101" pitchFamily="50" charset="-127"/>
                       </a:endParaRPr>
@@ -7642,6 +7681,61 @@
                             </a:schemeClr>
                           </a:solidFill>
                           <a:effectLst/>
+                          <a:highlight>
+                            <a:srgbClr val="00FF00"/>
+                          </a:highlight>
+                          <a:latin typeface="나눔바른고딕" panose="020B0603020101020101" pitchFamily="50" charset="-127"/>
+                          <a:ea typeface="나눔바른고딕" panose="020B0603020101020101" pitchFamily="50" charset="-127"/>
+                        </a:rPr>
+                        <a:t>특수 총알</a:t>
+                      </a:r>
+                      <a:endParaRPr kumimoji="0" lang="en-US" altLang="ko-KR" sz="1400" b="0" i="0" u="none" strike="noStrike" cap="none" normalizeH="0" baseline="0" dirty="0">
+                        <a:ln>
+                          <a:noFill/>
+                        </a:ln>
+                        <a:solidFill>
+                          <a:schemeClr val="tx1">
+                            <a:lumMod val="65000"/>
+                            <a:lumOff val="35000"/>
+                          </a:schemeClr>
+                        </a:solidFill>
+                        <a:effectLst/>
+                        <a:highlight>
+                          <a:srgbClr val="00FF00"/>
+                        </a:highlight>
+                        <a:latin typeface="나눔바른고딕" panose="020B0603020101020101" pitchFamily="50" charset="-127"/>
+                        <a:ea typeface="나눔바른고딕" panose="020B0603020101020101" pitchFamily="50" charset="-127"/>
+                      </a:endParaRPr>
+                    </a:p>
+                    <a:p>
+                      <a:pPr marL="0" marR="0" lvl="0" indent="0" algn="ctr" defTabSz="914400" rtl="0" eaLnBrk="1" fontAlgn="base" latinLnBrk="1" hangingPunct="1">
+                        <a:lnSpc>
+                          <a:spcPct val="100000"/>
+                        </a:lnSpc>
+                        <a:spcBef>
+                          <a:spcPct val="0"/>
+                        </a:spcBef>
+                        <a:spcAft>
+                          <a:spcPct val="0"/>
+                        </a:spcAft>
+                        <a:buClrTx/>
+                        <a:buSzTx/>
+                        <a:buFontTx/>
+                        <a:buNone/>
+                        <a:tabLst/>
+                      </a:pPr>
+                      <a:r>
+                        <a:rPr kumimoji="0" lang="ko-KR" altLang="en-US" sz="1400" b="0" i="0" u="none" strike="noStrike" cap="none" normalizeH="0" baseline="0" dirty="0">
+                          <a:ln>
+                            <a:noFill/>
+                          </a:ln>
+                          <a:solidFill>
+                            <a:schemeClr val="tx1">
+                              <a:lumMod val="65000"/>
+                              <a:lumOff val="35000"/>
+                            </a:schemeClr>
+                          </a:solidFill>
+                          <a:effectLst/>
                           <a:latin typeface="나눔바른고딕" panose="020B0603020101020101" pitchFamily="50" charset="-127"/>
                           <a:ea typeface="나눔바른고딕" panose="020B0603020101020101" pitchFamily="50" charset="-127"/>
                         </a:rPr>
@@ -7691,6 +7785,9 @@
                             </a:schemeClr>
                           </a:solidFill>
                           <a:effectLst/>
+                          <a:highlight>
+                            <a:srgbClr val="00FF00"/>
+                          </a:highlight>
                           <a:latin typeface="나눔바른고딕" panose="020B0603020101020101" pitchFamily="50" charset="-127"/>
                           <a:ea typeface="나눔바른고딕" panose="020B0603020101020101" pitchFamily="50" charset="-127"/>
                         </a:rPr>
@@ -7707,6 +7804,9 @@
                           </a:schemeClr>
                         </a:solidFill>
                         <a:effectLst/>
+                        <a:highlight>
+                          <a:srgbClr val="00FF00"/>
+                        </a:highlight>
                         <a:latin typeface="나눔바른고딕" panose="020B0603020101020101" pitchFamily="50" charset="-127"/>
                         <a:ea typeface="나눔바른고딕" panose="020B0603020101020101" pitchFamily="50" charset="-127"/>
                       </a:endParaRPr>
@@ -8110,14 +8210,14 @@
           <p:nvPr>
             <p:extLst>
               <p:ext uri="{D42A27DB-BD31-4B8C-83A1-F6EECF244321}">
-                <p14:modId xmlns:p14="http://schemas.microsoft.com/office/powerpoint/2010/main" val="2435061493"/>
+                <p14:modId xmlns:p14="http://schemas.microsoft.com/office/powerpoint/2010/main" val="4003738569"/>
               </p:ext>
             </p:extLst>
           </p:nvPr>
         </p:nvGraphicFramePr>
         <p:xfrm>
           <a:off x="292533" y="940760"/>
-          <a:ext cx="8599947" cy="5722640"/>
+          <a:ext cx="8599947" cy="5936000"/>
         </p:xfrm>
         <a:graphic>
           <a:graphicData uri="http://schemas.openxmlformats.org/drawingml/2006/table">
@@ -8146,7 +8246,7 @@
                   </a:extLst>
                 </a:gridCol>
               </a:tblGrid>
-              <a:tr h="238211">
+              <a:tr h="258756">
                 <a:tc rowSpan="2">
                   <a:txBody>
                     <a:bodyPr/>
@@ -8888,7 +8988,7 @@
                   </a:ext>
                 </a:extLst>
               </a:tr>
-              <a:tr h="238211">
+              <a:tr h="258756">
                 <a:tc vMerge="1">
                   <a:txBody>
                     <a:bodyPr/>
@@ -9233,7 +9333,7 @@
                   </a:ext>
                 </a:extLst>
               </a:tr>
-              <a:tr h="238211">
+              <a:tr h="258756">
                 <a:tc rowSpan="2">
                   <a:txBody>
                     <a:bodyPr/>
@@ -9586,7 +9686,7 @@
                   </a:ext>
                 </a:extLst>
               </a:tr>
-              <a:tr h="238211">
+              <a:tr h="258756">
                 <a:tc vMerge="1">
                   <a:txBody>
                     <a:bodyPr/>
@@ -9846,7 +9946,7 @@
                   </a:ext>
                 </a:extLst>
               </a:tr>
-              <a:tr h="238211">
+              <a:tr h="258756">
                 <a:tc rowSpan="2">
                   <a:txBody>
                     <a:bodyPr/>
@@ -10331,7 +10431,7 @@
                   </a:ext>
                 </a:extLst>
               </a:tr>
-              <a:tr h="238211">
+              <a:tr h="258756">
                 <a:tc vMerge="1">
                   <a:txBody>
                     <a:bodyPr/>
@@ -10624,7 +10724,7 @@
                   </a:ext>
                 </a:extLst>
               </a:tr>
-              <a:tr h="238211">
+              <a:tr h="258756">
                 <a:tc rowSpan="2">
                   <a:txBody>
                     <a:bodyPr/>
@@ -10976,7 +11076,7 @@
                   </a:ext>
                 </a:extLst>
               </a:tr>
-              <a:tr h="238211">
+              <a:tr h="467250">
                 <a:tc vMerge="1">
                   <a:txBody>
                     <a:bodyPr/>
@@ -11204,7 +11304,7 @@
                           <a:latin typeface="나눔바른고딕" panose="020B0603020101020101" pitchFamily="50" charset="-127"/>
                           <a:ea typeface="나눔바른고딕" panose="020B0603020101020101" pitchFamily="50" charset="-127"/>
                         </a:rPr>
-                        <a:t>다양한 출현 및 보스 움직임 </a:t>
+                        <a:t>보스 움직임 </a:t>
                       </a:r>
                       <a:r>
                         <a:rPr kumimoji="0" lang="ko-KR" altLang="en-US" sz="1400" b="0" i="0" u="none" strike="noStrike" cap="none" normalizeH="0" baseline="0" dirty="0" err="1">
@@ -11320,7 +11420,7 @@
                   </a:ext>
                 </a:extLst>
               </a:tr>
-              <a:tr h="238211">
+              <a:tr h="467250">
                 <a:tc rowSpan="2">
                   <a:txBody>
                     <a:bodyPr/>
@@ -11717,7 +11817,7 @@
                           </a:solidFill>
                           <a:effectLst/>
                           <a:highlight>
-                            <a:srgbClr val="FFFF00"/>
+                            <a:srgbClr val="00FF00"/>
                           </a:highlight>
                           <a:latin typeface="나눔바른고딕" panose="020B0603020101020101" pitchFamily="50" charset="-127"/>
                           <a:ea typeface="나눔바른고딕" panose="020B0603020101020101" pitchFamily="50" charset="-127"/>
@@ -11737,13 +11837,31 @@
                           </a:solidFill>
                           <a:effectLst/>
                           <a:highlight>
-                            <a:srgbClr val="FFFF00"/>
+                            <a:srgbClr val="00FF00"/>
                           </a:highlight>
                           <a:latin typeface="나눔바른고딕" panose="020B0603020101020101" pitchFamily="50" charset="-127"/>
                           <a:ea typeface="나눔바른고딕" panose="020B0603020101020101" pitchFamily="50" charset="-127"/>
                         </a:rPr>
-                        <a:t>=&gt; </a:t>
+                        <a:t>=&gt;</a:t>
                       </a:r>
+                    </a:p>
+                    <a:p>
+                      <a:pPr marL="0" marR="0" lvl="0" indent="0" algn="l" defTabSz="914400" rtl="0" eaLnBrk="1" fontAlgn="base" latinLnBrk="1" hangingPunct="1">
+                        <a:lnSpc>
+                          <a:spcPct val="100000"/>
+                        </a:lnSpc>
+                        <a:spcBef>
+                          <a:spcPct val="0"/>
+                        </a:spcBef>
+                        <a:spcAft>
+                          <a:spcPct val="0"/>
+                        </a:spcAft>
+                        <a:buClrTx/>
+                        <a:buSzTx/>
+                        <a:buFontTx/>
+                        <a:buNone/>
+                        <a:tabLst/>
+                      </a:pPr>
                       <a:r>
                         <a:rPr kumimoji="0" lang="ko-KR" altLang="en-US" sz="1400" b="0" i="0" u="none" strike="noStrike" cap="none" normalizeH="0" baseline="0" dirty="0">
                           <a:ln>
@@ -11762,10 +11880,10 @@
                           <a:latin typeface="나눔바른고딕" panose="020B0603020101020101" pitchFamily="50" charset="-127"/>
                           <a:ea typeface="나눔바른고딕" panose="020B0603020101020101" pitchFamily="50" charset="-127"/>
                         </a:rPr>
-                        <a:t>맵 </a:t>
+                        <a:t>맵 아이템 상황 및 </a:t>
                       </a:r>
                       <a:r>
-                        <a:rPr kumimoji="0" lang="en-US" altLang="ko-KR" sz="1400" b="0" i="0" u="none" strike="noStrike" cap="none" normalizeH="0" baseline="0" dirty="0" err="1">
+                        <a:rPr kumimoji="0" lang="en-US" altLang="ko-KR" sz="1400" b="0" i="0" u="none" strike="noStrike" cap="none" normalizeH="0" baseline="0" dirty="0">
                           <a:ln>
                             <a:noFill/>
                           </a:ln>
@@ -11782,7 +11900,7 @@
                           <a:latin typeface="나눔바른고딕" panose="020B0603020101020101" pitchFamily="50" charset="-127"/>
                           <a:ea typeface="나눔바른고딕" panose="020B0603020101020101" pitchFamily="50" charset="-127"/>
                         </a:rPr>
-                        <a:t>ui</a:t>
+                        <a:t>hp</a:t>
                       </a:r>
                       <a:r>
                         <a:rPr kumimoji="0" lang="ko-KR" altLang="en-US" sz="1400" b="0" i="0" u="none" strike="noStrike" cap="none" normalizeH="0" baseline="0" dirty="0">
@@ -11802,10 +11920,10 @@
                           <a:latin typeface="나눔바른고딕" panose="020B0603020101020101" pitchFamily="50" charset="-127"/>
                           <a:ea typeface="나눔바른고딕" panose="020B0603020101020101" pitchFamily="50" charset="-127"/>
                         </a:rPr>
-                        <a:t> 및 적 </a:t>
+                        <a:t> 표시 </a:t>
                       </a:r>
                       <a:r>
-                        <a:rPr kumimoji="0" lang="ko-KR" altLang="en-US" sz="1400" b="0" i="0" u="none" strike="noStrike" cap="none" normalizeH="0" baseline="0" dirty="0" err="1">
+                        <a:rPr kumimoji="0" lang="en-US" altLang="ko-KR" sz="1400" b="0" i="0" u="none" strike="noStrike" cap="none" normalizeH="0" baseline="0" dirty="0">
                           <a:ln>
                             <a:noFill/>
                           </a:ln>
@@ -11822,7 +11940,47 @@
                           <a:latin typeface="나눔바른고딕" panose="020B0603020101020101" pitchFamily="50" charset="-127"/>
                           <a:ea typeface="나눔바른고딕" panose="020B0603020101020101" pitchFamily="50" charset="-127"/>
                         </a:rPr>
-                        <a:t>보스몬스터</a:t>
+                        <a:t>&amp; </a:t>
+                      </a:r>
+                      <a:r>
+                        <a:rPr kumimoji="0" lang="ko-KR" altLang="en-US" sz="1400" b="0" i="0" u="none" strike="noStrike" cap="none" normalizeH="0" baseline="0" dirty="0">
+                          <a:ln>
+                            <a:noFill/>
+                          </a:ln>
+                          <a:solidFill>
+                            <a:schemeClr val="tx1">
+                              <a:lumMod val="65000"/>
+                              <a:lumOff val="35000"/>
+                            </a:schemeClr>
+                          </a:solidFill>
+                          <a:effectLst/>
+                          <a:highlight>
+                            <a:srgbClr val="FFFF00"/>
+                          </a:highlight>
+                          <a:latin typeface="나눔바른고딕" panose="020B0603020101020101" pitchFamily="50" charset="-127"/>
+                          <a:ea typeface="나눔바른고딕" panose="020B0603020101020101" pitchFamily="50" charset="-127"/>
+                        </a:rPr>
+                        <a:t>적 보스 </a:t>
+                      </a:r>
+                      <a:r>
+                        <a:rPr kumimoji="0" lang="ko-KR" altLang="en-US" sz="1400" b="0" i="0" u="none" strike="noStrike" cap="none" normalizeH="0" baseline="0" dirty="0" err="1">
+                          <a:ln>
+                            <a:noFill/>
+                          </a:ln>
+                          <a:solidFill>
+                            <a:schemeClr val="tx1">
+                              <a:lumMod val="65000"/>
+                              <a:lumOff val="35000"/>
+                            </a:schemeClr>
+                          </a:solidFill>
+                          <a:effectLst/>
+                          <a:highlight>
+                            <a:srgbClr val="FFFF00"/>
+                          </a:highlight>
+                          <a:latin typeface="나눔바른고딕" panose="020B0603020101020101" pitchFamily="50" charset="-127"/>
+                          <a:ea typeface="나눔바른고딕" panose="020B0603020101020101" pitchFamily="50" charset="-127"/>
+                        </a:rPr>
+                        <a:t>몬스터구현</a:t>
                       </a:r>
                       <a:r>
                         <a:rPr kumimoji="0" lang="ko-KR" altLang="en-US" sz="1400" b="0" i="0" u="none" strike="noStrike" cap="none" normalizeH="0" baseline="0" dirty="0">
@@ -11927,7 +12085,7 @@
                   </a:ext>
                 </a:extLst>
               </a:tr>
-              <a:tr h="238211">
+              <a:tr h="258756">
                 <a:tc vMerge="1">
                   <a:txBody>
                     <a:bodyPr/>
@@ -12087,8 +12245,56 @@
                           <a:latin typeface="나눔바른고딕" panose="020B0603020101020101" pitchFamily="50" charset="-127"/>
                           <a:ea typeface="나눔바른고딕" panose="020B0603020101020101" pitchFamily="50" charset="-127"/>
                         </a:rPr>
-                        <a:t>(40%) </a:t>
+                        <a:t>(20%) </a:t>
                       </a:r>
+                      <a:r>
+                        <a:rPr kumimoji="0" lang="ko-KR" altLang="en-US" sz="1400" b="0" i="0" u="none" strike="noStrike" cap="none" normalizeH="0" baseline="0" dirty="0">
+                          <a:ln>
+                            <a:noFill/>
+                          </a:ln>
+                          <a:solidFill>
+                            <a:schemeClr val="tx1">
+                              <a:lumMod val="65000"/>
+                              <a:lumOff val="35000"/>
+                            </a:schemeClr>
+                          </a:solidFill>
+                          <a:effectLst/>
+                          <a:latin typeface="나눔바른고딕" panose="020B0603020101020101" pitchFamily="50" charset="-127"/>
+                          <a:ea typeface="나눔바른고딕" panose="020B0603020101020101" pitchFamily="50" charset="-127"/>
+                        </a:rPr>
+                        <a:t>보스 </a:t>
+                      </a:r>
+                      <a:r>
+                        <a:rPr kumimoji="0" lang="ko-KR" altLang="en-US" sz="1400" b="0" i="0" u="none" strike="noStrike" cap="none" normalizeH="0" baseline="0">
+                          <a:ln>
+                            <a:noFill/>
+                          </a:ln>
+                          <a:solidFill>
+                            <a:schemeClr val="tx1">
+                              <a:lumMod val="65000"/>
+                              <a:lumOff val="35000"/>
+                            </a:schemeClr>
+                          </a:solidFill>
+                          <a:effectLst/>
+                          <a:latin typeface="나눔바른고딕" panose="020B0603020101020101" pitchFamily="50" charset="-127"/>
+                          <a:ea typeface="나눔바른고딕" panose="020B0603020101020101" pitchFamily="50" charset="-127"/>
+                        </a:rPr>
+                        <a:t>움직임 함수 구현 중</a:t>
+                      </a:r>
+                      <a:endParaRPr kumimoji="0" lang="en-US" altLang="ko-KR" sz="1400" b="0" i="0" u="none" strike="noStrike" cap="none" normalizeH="0" baseline="0" dirty="0">
+                        <a:ln>
+                          <a:noFill/>
+                        </a:ln>
+                        <a:solidFill>
+                          <a:schemeClr val="tx1">
+                            <a:lumMod val="65000"/>
+                            <a:lumOff val="35000"/>
+                          </a:schemeClr>
+                        </a:solidFill>
+                        <a:effectLst/>
+                        <a:latin typeface="나눔바른고딕" panose="020B0603020101020101" pitchFamily="50" charset="-127"/>
+                        <a:ea typeface="나눔바른고딕" panose="020B0603020101020101" pitchFamily="50" charset="-127"/>
+                      </a:endParaRPr>
                     </a:p>
                   </a:txBody>
                   <a:tcPr marL="68580" marR="68580" marT="25718" marB="25718" anchor="ctr" horzOverflow="overflow">
@@ -12155,7 +12361,7 @@
                   </a:ext>
                 </a:extLst>
               </a:tr>
-              <a:tr h="247029">
+              <a:tr h="258756">
                 <a:tc rowSpan="2">
                   <a:txBody>
                     <a:bodyPr/>
@@ -12507,7 +12713,7 @@
                   </a:ext>
                 </a:extLst>
               </a:tr>
-              <a:tr h="247029">
+              <a:tr h="258756">
                 <a:tc vMerge="1">
                   <a:txBody>
                     <a:bodyPr/>
@@ -12716,7 +12922,7 @@
                   </a:ext>
                 </a:extLst>
               </a:tr>
-              <a:tr h="238211">
+              <a:tr h="258756">
                 <a:tc rowSpan="2">
                   <a:txBody>
                     <a:bodyPr/>
@@ -13102,7 +13308,7 @@
                   </a:ext>
                 </a:extLst>
               </a:tr>
-              <a:tr h="238211">
+              <a:tr h="258756">
                 <a:tc vMerge="1">
                   <a:txBody>
                     <a:bodyPr/>
@@ -13311,7 +13517,7 @@
                   </a:ext>
                 </a:extLst>
               </a:tr>
-              <a:tr h="239078">
+              <a:tr h="467250">
                 <a:tc rowSpan="2">
                   <a:txBody>
                     <a:bodyPr/>
@@ -13733,7 +13939,7 @@
                   </a:ext>
                 </a:extLst>
               </a:tr>
-              <a:tr h="239078">
+              <a:tr h="258756">
                 <a:tc vMerge="1">
                   <a:txBody>
                     <a:bodyPr/>
@@ -13942,7 +14148,7 @@
                   </a:ext>
                 </a:extLst>
               </a:tr>
-              <a:tr h="238211">
+              <a:tr h="258756">
                 <a:tc rowSpan="2">
                   <a:txBody>
                     <a:bodyPr/>
@@ -14294,7 +14500,7 @@
                   </a:ext>
                 </a:extLst>
               </a:tr>
-              <a:tr h="238211">
+              <a:tr h="258756">
                 <a:tc vMerge="1">
                   <a:txBody>
                     <a:bodyPr/>
@@ -14503,7 +14709,7 @@
                   </a:ext>
                 </a:extLst>
               </a:tr>
-              <a:tr h="238211">
+              <a:tr h="258756">
                 <a:tc rowSpan="2">
                   <a:txBody>
                     <a:bodyPr/>
@@ -14856,7 +15062,7 @@
                   </a:ext>
                 </a:extLst>
               </a:tr>
-              <a:tr h="238211">
+              <a:tr h="258756">
                 <a:tc vMerge="1">
                   <a:txBody>
                     <a:bodyPr/>

--- a/2DGP_Project_2nd.pptx
+++ b/2DGP_Project_2nd.pptx
@@ -8047,7 +8047,7 @@
         </p:nvSpPr>
         <p:spPr>
           <a:xfrm>
-            <a:off x="427434" y="354196"/>
+            <a:off x="292533" y="160242"/>
             <a:ext cx="7592738" cy="523220"/>
           </a:xfrm>
           <a:prstGeom prst="rect">
@@ -8210,13 +8210,13 @@
           <p:nvPr>
             <p:extLst>
               <p:ext uri="{D42A27DB-BD31-4B8C-83A1-F6EECF244321}">
-                <p14:modId xmlns:p14="http://schemas.microsoft.com/office/powerpoint/2010/main" val="4003738569"/>
+                <p14:modId xmlns:p14="http://schemas.microsoft.com/office/powerpoint/2010/main" val="243030661"/>
               </p:ext>
             </p:extLst>
           </p:nvPr>
         </p:nvGraphicFramePr>
         <p:xfrm>
-          <a:off x="292533" y="940760"/>
+          <a:off x="292533" y="761758"/>
           <a:ext cx="8599947" cy="5936000"/>
         </p:xfrm>
         <a:graphic>
@@ -15398,52 +15398,13 @@
       </p:sp>
       <p:sp>
         <p:nvSpPr>
-          <p:cNvPr id="19" name="TextBox 18"/>
-          <p:cNvSpPr txBox="1"/>
-          <p:nvPr/>
-        </p:nvSpPr>
-        <p:spPr>
-          <a:xfrm>
-            <a:off x="651670" y="1639832"/>
-            <a:ext cx="7592738" cy="369332"/>
-          </a:xfrm>
-          <a:prstGeom prst="rect">
-            <a:avLst/>
-          </a:prstGeom>
-          <a:noFill/>
-        </p:spPr>
-        <p:txBody>
-          <a:bodyPr wrap="square" rtlCol="0">
-            <a:spAutoFit/>
-          </a:bodyPr>
-          <a:lstStyle/>
-          <a:p>
-            <a:r>
-              <a:rPr lang="en-US" altLang="ko-KR" spc="-150" dirty="0">
-                <a:latin typeface="나눔바른고딕OTF Light" pitchFamily="50" charset="-127"/>
-                <a:ea typeface="나눔바른고딕OTF Light" pitchFamily="50" charset="-127"/>
-              </a:rPr>
-              <a:t>1)  </a:t>
-            </a:r>
-            <a:r>
-              <a:rPr lang="ko-KR" altLang="en-US" spc="-150" dirty="0">
-                <a:latin typeface="나눔바른고딕OTF Light" pitchFamily="50" charset="-127"/>
-                <a:ea typeface="나눔바른고딕OTF Light" pitchFamily="50" charset="-127"/>
-              </a:rPr>
-              <a:t>소제목을 입력하세요</a:t>
-            </a:r>
-          </a:p>
-        </p:txBody>
-      </p:sp>
-      <p:sp>
-        <p:nvSpPr>
           <p:cNvPr id="20" name="TextBox 19"/>
           <p:cNvSpPr txBox="1"/>
           <p:nvPr/>
         </p:nvSpPr>
         <p:spPr>
           <a:xfrm>
-            <a:off x="427434" y="354196"/>
+            <a:off x="175406" y="231798"/>
             <a:ext cx="4648622" cy="954107"/>
           </a:xfrm>
           <a:prstGeom prst="rect">
@@ -15545,8 +15506,8 @@
         </p:nvSpPr>
         <p:spPr>
           <a:xfrm>
-            <a:off x="651670" y="1389603"/>
-            <a:ext cx="6893637" cy="869790"/>
+            <a:off x="-15653" y="827764"/>
+            <a:ext cx="9144000" cy="454292"/>
           </a:xfrm>
           <a:prstGeom prst="rect">
             <a:avLst/>
@@ -15567,7 +15528,7 @@
               </a:lnSpc>
             </a:pPr>
             <a:r>
-              <a:rPr lang="en-US" altLang="ko-KR">
+              <a:rPr lang="en-US" altLang="ko-KR" dirty="0">
                 <a:hlinkClick r:id="rId3"/>
               </a:rPr>
               <a:t>https://github.com/JINWOO-0715/2014180021-2DGP-Projects/graphs/commit-activity</a:t>
@@ -15576,6 +15537,36 @@
           </a:p>
         </p:txBody>
       </p:sp>
+      <p:pic>
+        <p:nvPicPr>
+          <p:cNvPr id="2" name="그림 1">
+            <a:extLst>
+              <a:ext uri="{FF2B5EF4-FFF2-40B4-BE49-F238E27FC236}">
+                <a16:creationId xmlns:a16="http://schemas.microsoft.com/office/drawing/2014/main" id="{6927C544-FF24-4A28-920D-B36FF7619B19}"/>
+              </a:ext>
+            </a:extLst>
+          </p:cNvPr>
+          <p:cNvPicPr>
+            <a:picLocks noChangeAspect="1"/>
+          </p:cNvPicPr>
+          <p:nvPr/>
+        </p:nvPicPr>
+        <p:blipFill>
+          <a:blip r:embed="rId4"/>
+          <a:stretch>
+            <a:fillRect/>
+          </a:stretch>
+        </p:blipFill>
+        <p:spPr>
+          <a:xfrm>
+            <a:off x="87692" y="1423414"/>
+            <a:ext cx="8804788" cy="4782120"/>
+          </a:xfrm>
+          <a:prstGeom prst="rect">
+            <a:avLst/>
+          </a:prstGeom>
+        </p:spPr>
+      </p:pic>
     </p:spTree>
     <p:extLst>
       <p:ext uri="{BB962C8B-B14F-4D97-AF65-F5344CB8AC3E}">
